--- a/docs/graphics-work/CovidWI.pptx
+++ b/docs/graphics-work/CovidWI.pptx
@@ -6,6 +6,7 @@
   </p:sldMasterIdLst>
   <p:sldIdLst>
     <p:sldId id="257" r:id="rId2"/>
+    <p:sldId id="258" r:id="rId3"/>
   </p:sldIdLst>
   <p:sldSz cx="12192000" cy="6858000"/>
   <p:notesSz cx="6858000" cy="9144000"/>
@@ -104,6 +105,11 @@
       </a:defRPr>
     </a:lvl9pPr>
   </p:defaultTextStyle>
+  <p:extLst>
+    <p:ext uri="{EFAFB233-063F-42B5-8137-9DF3F51BA10A}">
+      <p15:sldGuideLst xmlns:p15="http://schemas.microsoft.com/office/powerpoint/2012/main"/>
+    </p:ext>
+  </p:extLst>
 </p:presentation>
 </file>
 
@@ -254,7 +260,7 @@
           <a:p>
             <a:fld id="{268902F9-61BD-40EC-A599-482295682748}" type="datetimeFigureOut">
               <a:rPr lang="en-US" smtClean="0"/>
-              <a:t>12/31/2020</a:t>
+              <a:t>5/4/2021</a:t>
             </a:fld>
             <a:endParaRPr lang="en-US"/>
           </a:p>
@@ -452,7 +458,7 @@
           <a:p>
             <a:fld id="{268902F9-61BD-40EC-A599-482295682748}" type="datetimeFigureOut">
               <a:rPr lang="en-US" smtClean="0"/>
-              <a:t>12/31/2020</a:t>
+              <a:t>5/4/2021</a:t>
             </a:fld>
             <a:endParaRPr lang="en-US"/>
           </a:p>
@@ -660,7 +666,7 @@
           <a:p>
             <a:fld id="{268902F9-61BD-40EC-A599-482295682748}" type="datetimeFigureOut">
               <a:rPr lang="en-US" smtClean="0"/>
-              <a:t>12/31/2020</a:t>
+              <a:t>5/4/2021</a:t>
             </a:fld>
             <a:endParaRPr lang="en-US"/>
           </a:p>
@@ -858,7 +864,7 @@
           <a:p>
             <a:fld id="{268902F9-61BD-40EC-A599-482295682748}" type="datetimeFigureOut">
               <a:rPr lang="en-US" smtClean="0"/>
-              <a:t>12/31/2020</a:t>
+              <a:t>5/4/2021</a:t>
             </a:fld>
             <a:endParaRPr lang="en-US"/>
           </a:p>
@@ -1133,7 +1139,7 @@
           <a:p>
             <a:fld id="{268902F9-61BD-40EC-A599-482295682748}" type="datetimeFigureOut">
               <a:rPr lang="en-US" smtClean="0"/>
-              <a:t>12/31/2020</a:t>
+              <a:t>5/4/2021</a:t>
             </a:fld>
             <a:endParaRPr lang="en-US"/>
           </a:p>
@@ -1398,7 +1404,7 @@
           <a:p>
             <a:fld id="{268902F9-61BD-40EC-A599-482295682748}" type="datetimeFigureOut">
               <a:rPr lang="en-US" smtClean="0"/>
-              <a:t>12/31/2020</a:t>
+              <a:t>5/4/2021</a:t>
             </a:fld>
             <a:endParaRPr lang="en-US"/>
           </a:p>
@@ -1810,7 +1816,7 @@
           <a:p>
             <a:fld id="{268902F9-61BD-40EC-A599-482295682748}" type="datetimeFigureOut">
               <a:rPr lang="en-US" smtClean="0"/>
-              <a:t>12/31/2020</a:t>
+              <a:t>5/4/2021</a:t>
             </a:fld>
             <a:endParaRPr lang="en-US"/>
           </a:p>
@@ -1951,7 +1957,7 @@
           <a:p>
             <a:fld id="{268902F9-61BD-40EC-A599-482295682748}" type="datetimeFigureOut">
               <a:rPr lang="en-US" smtClean="0"/>
-              <a:t>12/31/2020</a:t>
+              <a:t>5/4/2021</a:t>
             </a:fld>
             <a:endParaRPr lang="en-US"/>
           </a:p>
@@ -2064,7 +2070,7 @@
           <a:p>
             <a:fld id="{268902F9-61BD-40EC-A599-482295682748}" type="datetimeFigureOut">
               <a:rPr lang="en-US" smtClean="0"/>
-              <a:t>12/31/2020</a:t>
+              <a:t>5/4/2021</a:t>
             </a:fld>
             <a:endParaRPr lang="en-US"/>
           </a:p>
@@ -2375,7 +2381,7 @@
           <a:p>
             <a:fld id="{268902F9-61BD-40EC-A599-482295682748}" type="datetimeFigureOut">
               <a:rPr lang="en-US" smtClean="0"/>
-              <a:t>12/31/2020</a:t>
+              <a:t>5/4/2021</a:t>
             </a:fld>
             <a:endParaRPr lang="en-US"/>
           </a:p>
@@ -2663,7 +2669,7 @@
           <a:p>
             <a:fld id="{268902F9-61BD-40EC-A599-482295682748}" type="datetimeFigureOut">
               <a:rPr lang="en-US" smtClean="0"/>
-              <a:t>12/31/2020</a:t>
+              <a:t>5/4/2021</a:t>
             </a:fld>
             <a:endParaRPr lang="en-US"/>
           </a:p>
@@ -2904,7 +2910,7 @@
           <a:p>
             <a:fld id="{268902F9-61BD-40EC-A599-482295682748}" type="datetimeFigureOut">
               <a:rPr lang="en-US" smtClean="0"/>
-              <a:t>12/31/2020</a:t>
+              <a:t>5/4/2021</a:t>
             </a:fld>
             <a:endParaRPr lang="en-US"/>
           </a:p>
@@ -4084,6 +4090,890 @@
 </p:sld>
 </file>
 
+<file path=ppt/slides/slide2.xml><?xml version="1.0" encoding="utf-8"?>
+<p:sld xmlns:a="http://schemas.openxmlformats.org/drawingml/2006/main" xmlns:r="http://schemas.openxmlformats.org/officeDocument/2006/relationships" xmlns:p="http://schemas.openxmlformats.org/presentationml/2006/main">
+  <p:cSld>
+    <p:spTree>
+      <p:nvGrpSpPr>
+        <p:cNvPr id="1" name=""/>
+        <p:cNvGrpSpPr/>
+        <p:nvPr/>
+      </p:nvGrpSpPr>
+      <p:grpSpPr>
+        <a:xfrm>
+          <a:off x="0" y="0"/>
+          <a:ext cx="0" cy="0"/>
+          <a:chOff x="0" y="0"/>
+          <a:chExt cx="0" cy="0"/>
+        </a:xfrm>
+      </p:grpSpPr>
+      <p:pic>
+        <p:nvPicPr>
+          <p:cNvPr id="6" name="Picture 5">
+            <a:extLst>
+              <a:ext uri="{FF2B5EF4-FFF2-40B4-BE49-F238E27FC236}">
+                <a16:creationId xmlns:a16="http://schemas.microsoft.com/office/drawing/2014/main" id="{B50370E6-7A64-4C5A-B286-96932884ECCF}"/>
+              </a:ext>
+            </a:extLst>
+          </p:cNvPr>
+          <p:cNvPicPr>
+            <a:picLocks noChangeAspect="1"/>
+          </p:cNvPicPr>
+          <p:nvPr/>
+        </p:nvPicPr>
+        <p:blipFill>
+          <a:blip r:embed="rId2"/>
+          <a:stretch>
+            <a:fillRect/>
+          </a:stretch>
+        </p:blipFill>
+        <p:spPr>
+          <a:xfrm>
+            <a:off x="3238500" y="571500"/>
+            <a:ext cx="5715000" cy="5715000"/>
+          </a:xfrm>
+          <a:prstGeom prst="rect">
+            <a:avLst/>
+          </a:prstGeom>
+        </p:spPr>
+      </p:pic>
+      <p:grpSp>
+        <p:nvGrpSpPr>
+          <p:cNvPr id="2" name="Group 1">
+            <a:extLst>
+              <a:ext uri="{FF2B5EF4-FFF2-40B4-BE49-F238E27FC236}">
+                <a16:creationId xmlns:a16="http://schemas.microsoft.com/office/drawing/2014/main" id="{9A3EA968-716E-47CF-929F-704D56FACA09}"/>
+              </a:ext>
+            </a:extLst>
+          </p:cNvPr>
+          <p:cNvGrpSpPr/>
+          <p:nvPr/>
+        </p:nvGrpSpPr>
+        <p:grpSpPr>
+          <a:xfrm>
+            <a:off x="3632200" y="901700"/>
+            <a:ext cx="4724400" cy="5118100"/>
+            <a:chOff x="3632200" y="901700"/>
+            <a:chExt cx="4724400" cy="5118100"/>
+          </a:xfrm>
+        </p:grpSpPr>
+        <p:cxnSp>
+          <p:nvCxnSpPr>
+            <p:cNvPr id="5" name="Straight Arrow Connector 4">
+              <a:extLst>
+                <a:ext uri="{FF2B5EF4-FFF2-40B4-BE49-F238E27FC236}">
+                  <a16:creationId xmlns:a16="http://schemas.microsoft.com/office/drawing/2014/main" id="{A960914A-EF99-4BAE-A6D0-C7A7762978D1}"/>
+                </a:ext>
+              </a:extLst>
+            </p:cNvPr>
+            <p:cNvCxnSpPr>
+              <a:cxnSpLocks/>
+            </p:cNvCxnSpPr>
+            <p:nvPr/>
+          </p:nvCxnSpPr>
+          <p:spPr>
+            <a:xfrm flipV="1">
+              <a:off x="6578600" y="1460500"/>
+              <a:ext cx="177800" cy="508000"/>
+            </a:xfrm>
+            <a:prstGeom prst="straightConnector1">
+              <a:avLst/>
+            </a:prstGeom>
+            <a:ln w="101600">
+              <a:solidFill>
+                <a:schemeClr val="tx1"/>
+              </a:solidFill>
+              <a:headEnd type="none" w="med" len="med"/>
+              <a:tailEnd type="oval" w="med" len="med"/>
+            </a:ln>
+          </p:spPr>
+          <p:style>
+            <a:lnRef idx="1">
+              <a:schemeClr val="accent1"/>
+            </a:lnRef>
+            <a:fillRef idx="0">
+              <a:schemeClr val="accent1"/>
+            </a:fillRef>
+            <a:effectRef idx="0">
+              <a:schemeClr val="accent1"/>
+            </a:effectRef>
+            <a:fontRef idx="minor">
+              <a:schemeClr val="tx1"/>
+            </a:fontRef>
+          </p:style>
+        </p:cxnSp>
+        <p:cxnSp>
+          <p:nvCxnSpPr>
+            <p:cNvPr id="8" name="Straight Arrow Connector 7">
+              <a:extLst>
+                <a:ext uri="{FF2B5EF4-FFF2-40B4-BE49-F238E27FC236}">
+                  <a16:creationId xmlns:a16="http://schemas.microsoft.com/office/drawing/2014/main" id="{07834FA2-3C6F-45C9-8971-D21A8967053D}"/>
+                </a:ext>
+              </a:extLst>
+            </p:cNvPr>
+            <p:cNvCxnSpPr>
+              <a:cxnSpLocks/>
+            </p:cNvCxnSpPr>
+            <p:nvPr/>
+          </p:nvCxnSpPr>
+          <p:spPr>
+            <a:xfrm flipV="1">
+              <a:off x="7416800" y="1879600"/>
+              <a:ext cx="355600" cy="482600"/>
+            </a:xfrm>
+            <a:prstGeom prst="straightConnector1">
+              <a:avLst/>
+            </a:prstGeom>
+            <a:ln w="101600">
+              <a:solidFill>
+                <a:schemeClr val="tx1"/>
+              </a:solidFill>
+              <a:headEnd type="none" w="med" len="med"/>
+              <a:tailEnd type="oval" w="med" len="med"/>
+            </a:ln>
+          </p:spPr>
+          <p:style>
+            <a:lnRef idx="1">
+              <a:schemeClr val="accent1"/>
+            </a:lnRef>
+            <a:fillRef idx="0">
+              <a:schemeClr val="accent1"/>
+            </a:fillRef>
+            <a:effectRef idx="0">
+              <a:schemeClr val="accent1"/>
+            </a:effectRef>
+            <a:fontRef idx="minor">
+              <a:schemeClr val="tx1"/>
+            </a:fontRef>
+          </p:style>
+        </p:cxnSp>
+        <p:cxnSp>
+          <p:nvCxnSpPr>
+            <p:cNvPr id="9" name="Straight Arrow Connector 8">
+              <a:extLst>
+                <a:ext uri="{FF2B5EF4-FFF2-40B4-BE49-F238E27FC236}">
+                  <a16:creationId xmlns:a16="http://schemas.microsoft.com/office/drawing/2014/main" id="{5783C465-2ED5-45AA-B44F-0E1B62DD9291}"/>
+                </a:ext>
+              </a:extLst>
+            </p:cNvPr>
+            <p:cNvCxnSpPr>
+              <a:cxnSpLocks/>
+            </p:cNvCxnSpPr>
+            <p:nvPr/>
+          </p:nvCxnSpPr>
+          <p:spPr>
+            <a:xfrm flipH="1" flipV="1">
+              <a:off x="3949700" y="1600200"/>
+              <a:ext cx="577850" cy="520700"/>
+            </a:xfrm>
+            <a:prstGeom prst="straightConnector1">
+              <a:avLst/>
+            </a:prstGeom>
+            <a:ln w="101600">
+              <a:solidFill>
+                <a:schemeClr val="tx1"/>
+              </a:solidFill>
+              <a:headEnd type="none" w="med" len="med"/>
+              <a:tailEnd type="oval" w="med" len="med"/>
+            </a:ln>
+          </p:spPr>
+          <p:style>
+            <a:lnRef idx="1">
+              <a:schemeClr val="accent1"/>
+            </a:lnRef>
+            <a:fillRef idx="0">
+              <a:schemeClr val="accent1"/>
+            </a:fillRef>
+            <a:effectRef idx="0">
+              <a:schemeClr val="accent1"/>
+            </a:effectRef>
+            <a:fontRef idx="minor">
+              <a:schemeClr val="tx1"/>
+            </a:fontRef>
+          </p:style>
+        </p:cxnSp>
+        <p:cxnSp>
+          <p:nvCxnSpPr>
+            <p:cNvPr id="10" name="Straight Arrow Connector 9">
+              <a:extLst>
+                <a:ext uri="{FF2B5EF4-FFF2-40B4-BE49-F238E27FC236}">
+                  <a16:creationId xmlns:a16="http://schemas.microsoft.com/office/drawing/2014/main" id="{240185F2-0496-4745-84E3-A10C79AC24FD}"/>
+                </a:ext>
+              </a:extLst>
+            </p:cNvPr>
+            <p:cNvCxnSpPr>
+              <a:cxnSpLocks/>
+            </p:cNvCxnSpPr>
+            <p:nvPr/>
+          </p:nvCxnSpPr>
+          <p:spPr>
+            <a:xfrm flipV="1">
+              <a:off x="8064500" y="2463800"/>
+              <a:ext cx="292100" cy="457200"/>
+            </a:xfrm>
+            <a:prstGeom prst="straightConnector1">
+              <a:avLst/>
+            </a:prstGeom>
+            <a:ln w="101600">
+              <a:solidFill>
+                <a:schemeClr val="tx1"/>
+              </a:solidFill>
+              <a:headEnd type="none" w="med" len="med"/>
+              <a:tailEnd type="oval" w="med" len="med"/>
+            </a:ln>
+          </p:spPr>
+          <p:style>
+            <a:lnRef idx="1">
+              <a:schemeClr val="accent1"/>
+            </a:lnRef>
+            <a:fillRef idx="0">
+              <a:schemeClr val="accent1"/>
+            </a:fillRef>
+            <a:effectRef idx="0">
+              <a:schemeClr val="accent1"/>
+            </a:effectRef>
+            <a:fontRef idx="minor">
+              <a:schemeClr val="tx1"/>
+            </a:fontRef>
+          </p:style>
+        </p:cxnSp>
+        <p:cxnSp>
+          <p:nvCxnSpPr>
+            <p:cNvPr id="14" name="Straight Arrow Connector 13">
+              <a:extLst>
+                <a:ext uri="{FF2B5EF4-FFF2-40B4-BE49-F238E27FC236}">
+                  <a16:creationId xmlns:a16="http://schemas.microsoft.com/office/drawing/2014/main" id="{80896675-F88E-43F7-930C-3C9277ADF968}"/>
+                </a:ext>
+              </a:extLst>
+            </p:cNvPr>
+            <p:cNvCxnSpPr>
+              <a:cxnSpLocks/>
+            </p:cNvCxnSpPr>
+            <p:nvPr/>
+          </p:nvCxnSpPr>
+          <p:spPr>
+            <a:xfrm flipV="1">
+              <a:off x="5829300" y="1054100"/>
+              <a:ext cx="101600" cy="546100"/>
+            </a:xfrm>
+            <a:prstGeom prst="straightConnector1">
+              <a:avLst/>
+            </a:prstGeom>
+            <a:ln w="101600">
+              <a:solidFill>
+                <a:schemeClr val="tx1"/>
+              </a:solidFill>
+              <a:headEnd type="none" w="med" len="med"/>
+              <a:tailEnd type="oval" w="med" len="med"/>
+            </a:ln>
+          </p:spPr>
+          <p:style>
+            <a:lnRef idx="1">
+              <a:schemeClr val="accent1"/>
+            </a:lnRef>
+            <a:fillRef idx="0">
+              <a:schemeClr val="accent1"/>
+            </a:fillRef>
+            <a:effectRef idx="0">
+              <a:schemeClr val="accent1"/>
+            </a:effectRef>
+            <a:fontRef idx="minor">
+              <a:schemeClr val="tx1"/>
+            </a:fontRef>
+          </p:style>
+        </p:cxnSp>
+        <p:cxnSp>
+          <p:nvCxnSpPr>
+            <p:cNvPr id="15" name="Straight Arrow Connector 14">
+              <a:extLst>
+                <a:ext uri="{FF2B5EF4-FFF2-40B4-BE49-F238E27FC236}">
+                  <a16:creationId xmlns:a16="http://schemas.microsoft.com/office/drawing/2014/main" id="{B6379598-78E4-4F8C-B932-A7BED3E15276}"/>
+                </a:ext>
+              </a:extLst>
+            </p:cNvPr>
+            <p:cNvCxnSpPr>
+              <a:cxnSpLocks/>
+            </p:cNvCxnSpPr>
+            <p:nvPr/>
+          </p:nvCxnSpPr>
+          <p:spPr>
+            <a:xfrm>
+              <a:off x="6565900" y="5651500"/>
+              <a:ext cx="0" cy="368300"/>
+            </a:xfrm>
+            <a:prstGeom prst="straightConnector1">
+              <a:avLst/>
+            </a:prstGeom>
+            <a:ln w="101600">
+              <a:solidFill>
+                <a:schemeClr val="tx1"/>
+              </a:solidFill>
+              <a:headEnd type="none" w="med" len="med"/>
+              <a:tailEnd type="oval" w="med" len="med"/>
+            </a:ln>
+          </p:spPr>
+          <p:style>
+            <a:lnRef idx="1">
+              <a:schemeClr val="accent1"/>
+            </a:lnRef>
+            <a:fillRef idx="0">
+              <a:schemeClr val="accent1"/>
+            </a:fillRef>
+            <a:effectRef idx="0">
+              <a:schemeClr val="accent1"/>
+            </a:effectRef>
+            <a:fontRef idx="minor">
+              <a:schemeClr val="tx1"/>
+            </a:fontRef>
+          </p:style>
+        </p:cxnSp>
+        <p:cxnSp>
+          <p:nvCxnSpPr>
+            <p:cNvPr id="16" name="Straight Arrow Connector 15">
+              <a:extLst>
+                <a:ext uri="{FF2B5EF4-FFF2-40B4-BE49-F238E27FC236}">
+                  <a16:creationId xmlns:a16="http://schemas.microsoft.com/office/drawing/2014/main" id="{77250B00-27D6-4E27-B4B2-56714B931566}"/>
+                </a:ext>
+              </a:extLst>
+            </p:cNvPr>
+            <p:cNvCxnSpPr>
+              <a:cxnSpLocks/>
+            </p:cNvCxnSpPr>
+            <p:nvPr/>
+          </p:nvCxnSpPr>
+          <p:spPr>
+            <a:xfrm flipH="1">
+              <a:off x="4857750" y="5353050"/>
+              <a:ext cx="463550" cy="431800"/>
+            </a:xfrm>
+            <a:prstGeom prst="straightConnector1">
+              <a:avLst/>
+            </a:prstGeom>
+            <a:ln w="101600">
+              <a:solidFill>
+                <a:schemeClr val="tx1"/>
+              </a:solidFill>
+              <a:headEnd type="none" w="med" len="med"/>
+              <a:tailEnd type="oval" w="med" len="med"/>
+            </a:ln>
+          </p:spPr>
+          <p:style>
+            <a:lnRef idx="1">
+              <a:schemeClr val="accent1"/>
+            </a:lnRef>
+            <a:fillRef idx="0">
+              <a:schemeClr val="accent1"/>
+            </a:fillRef>
+            <a:effectRef idx="0">
+              <a:schemeClr val="accent1"/>
+            </a:effectRef>
+            <a:fontRef idx="minor">
+              <a:schemeClr val="tx1"/>
+            </a:fontRef>
+          </p:style>
+        </p:cxnSp>
+        <p:cxnSp>
+          <p:nvCxnSpPr>
+            <p:cNvPr id="17" name="Straight Arrow Connector 16">
+              <a:extLst>
+                <a:ext uri="{FF2B5EF4-FFF2-40B4-BE49-F238E27FC236}">
+                  <a16:creationId xmlns:a16="http://schemas.microsoft.com/office/drawing/2014/main" id="{C8BD9326-53D3-48B9-B85D-7DA4EA671622}"/>
+                </a:ext>
+              </a:extLst>
+            </p:cNvPr>
+            <p:cNvCxnSpPr>
+              <a:cxnSpLocks/>
+            </p:cNvCxnSpPr>
+            <p:nvPr/>
+          </p:nvCxnSpPr>
+          <p:spPr>
+            <a:xfrm flipH="1">
+              <a:off x="4470400" y="4330700"/>
+              <a:ext cx="647700" cy="444500"/>
+            </a:xfrm>
+            <a:prstGeom prst="straightConnector1">
+              <a:avLst/>
+            </a:prstGeom>
+            <a:ln w="101600">
+              <a:solidFill>
+                <a:schemeClr val="tx1"/>
+              </a:solidFill>
+              <a:headEnd type="none" w="med" len="med"/>
+              <a:tailEnd type="oval" w="med" len="med"/>
+            </a:ln>
+          </p:spPr>
+          <p:style>
+            <a:lnRef idx="1">
+              <a:schemeClr val="accent1"/>
+            </a:lnRef>
+            <a:fillRef idx="0">
+              <a:schemeClr val="accent1"/>
+            </a:fillRef>
+            <a:effectRef idx="0">
+              <a:schemeClr val="accent1"/>
+            </a:effectRef>
+            <a:fontRef idx="minor">
+              <a:schemeClr val="tx1"/>
+            </a:fontRef>
+          </p:style>
+        </p:cxnSp>
+        <p:cxnSp>
+          <p:nvCxnSpPr>
+            <p:cNvPr id="18" name="Straight Arrow Connector 17">
+              <a:extLst>
+                <a:ext uri="{FF2B5EF4-FFF2-40B4-BE49-F238E27FC236}">
+                  <a16:creationId xmlns:a16="http://schemas.microsoft.com/office/drawing/2014/main" id="{07AB8A85-0878-43DF-BD46-D1813E7F0C53}"/>
+                </a:ext>
+              </a:extLst>
+            </p:cNvPr>
+            <p:cNvCxnSpPr>
+              <a:cxnSpLocks/>
+            </p:cNvCxnSpPr>
+            <p:nvPr/>
+          </p:nvCxnSpPr>
+          <p:spPr>
+            <a:xfrm flipH="1">
+              <a:off x="4013200" y="3676650"/>
+              <a:ext cx="514350" cy="336550"/>
+            </a:xfrm>
+            <a:prstGeom prst="straightConnector1">
+              <a:avLst/>
+            </a:prstGeom>
+            <a:ln w="101600">
+              <a:solidFill>
+                <a:schemeClr val="tx1"/>
+              </a:solidFill>
+              <a:headEnd type="none" w="med" len="med"/>
+              <a:tailEnd type="oval" w="med" len="med"/>
+            </a:ln>
+          </p:spPr>
+          <p:style>
+            <a:lnRef idx="1">
+              <a:schemeClr val="accent1"/>
+            </a:lnRef>
+            <a:fillRef idx="0">
+              <a:schemeClr val="accent1"/>
+            </a:fillRef>
+            <a:effectRef idx="0">
+              <a:schemeClr val="accent1"/>
+            </a:effectRef>
+            <a:fontRef idx="minor">
+              <a:schemeClr val="tx1"/>
+            </a:fontRef>
+          </p:style>
+        </p:cxnSp>
+        <p:cxnSp>
+          <p:nvCxnSpPr>
+            <p:cNvPr id="23" name="Straight Arrow Connector 22">
+              <a:extLst>
+                <a:ext uri="{FF2B5EF4-FFF2-40B4-BE49-F238E27FC236}">
+                  <a16:creationId xmlns:a16="http://schemas.microsoft.com/office/drawing/2014/main" id="{CEE03624-3E01-4E1F-AA26-96ACB37CF99B}"/>
+                </a:ext>
+              </a:extLst>
+            </p:cNvPr>
+            <p:cNvCxnSpPr>
+              <a:cxnSpLocks/>
+            </p:cNvCxnSpPr>
+            <p:nvPr/>
+          </p:nvCxnSpPr>
+          <p:spPr>
+            <a:xfrm>
+              <a:off x="7315200" y="5638800"/>
+              <a:ext cx="101600" cy="368300"/>
+            </a:xfrm>
+            <a:prstGeom prst="straightConnector1">
+              <a:avLst/>
+            </a:prstGeom>
+            <a:ln w="101600">
+              <a:solidFill>
+                <a:schemeClr val="tx1"/>
+              </a:solidFill>
+              <a:headEnd type="none" w="med" len="med"/>
+              <a:tailEnd type="oval" w="med" len="med"/>
+            </a:ln>
+          </p:spPr>
+          <p:style>
+            <a:lnRef idx="1">
+              <a:schemeClr val="accent1"/>
+            </a:lnRef>
+            <a:fillRef idx="0">
+              <a:schemeClr val="accent1"/>
+            </a:fillRef>
+            <a:effectRef idx="0">
+              <a:schemeClr val="accent1"/>
+            </a:effectRef>
+            <a:fontRef idx="minor">
+              <a:schemeClr val="tx1"/>
+            </a:fontRef>
+          </p:style>
+        </p:cxnSp>
+        <p:cxnSp>
+          <p:nvCxnSpPr>
+            <p:cNvPr id="24" name="Straight Arrow Connector 23">
+              <a:extLst>
+                <a:ext uri="{FF2B5EF4-FFF2-40B4-BE49-F238E27FC236}">
+                  <a16:creationId xmlns:a16="http://schemas.microsoft.com/office/drawing/2014/main" id="{C9D6BA74-DF5C-4933-8BF9-1DADA1A87C79}"/>
+                </a:ext>
+              </a:extLst>
+            </p:cNvPr>
+            <p:cNvCxnSpPr>
+              <a:cxnSpLocks/>
+            </p:cNvCxnSpPr>
+            <p:nvPr/>
+          </p:nvCxnSpPr>
+          <p:spPr>
+            <a:xfrm flipH="1">
+              <a:off x="5727700" y="5613400"/>
+              <a:ext cx="101600" cy="393700"/>
+            </a:xfrm>
+            <a:prstGeom prst="straightConnector1">
+              <a:avLst/>
+            </a:prstGeom>
+            <a:ln w="101600">
+              <a:solidFill>
+                <a:schemeClr val="tx1"/>
+              </a:solidFill>
+              <a:headEnd type="none" w="med" len="med"/>
+              <a:tailEnd type="oval" w="med" len="med"/>
+            </a:ln>
+          </p:spPr>
+          <p:style>
+            <a:lnRef idx="1">
+              <a:schemeClr val="accent1"/>
+            </a:lnRef>
+            <a:fillRef idx="0">
+              <a:schemeClr val="accent1"/>
+            </a:fillRef>
+            <a:effectRef idx="0">
+              <a:schemeClr val="accent1"/>
+            </a:effectRef>
+            <a:fontRef idx="minor">
+              <a:schemeClr val="tx1"/>
+            </a:fontRef>
+          </p:style>
+        </p:cxnSp>
+        <p:cxnSp>
+          <p:nvCxnSpPr>
+            <p:cNvPr id="25" name="Straight Arrow Connector 24">
+              <a:extLst>
+                <a:ext uri="{FF2B5EF4-FFF2-40B4-BE49-F238E27FC236}">
+                  <a16:creationId xmlns:a16="http://schemas.microsoft.com/office/drawing/2014/main" id="{B3958BF6-ED57-4E98-92C1-3E3C87088FAB}"/>
+                </a:ext>
+              </a:extLst>
+            </p:cNvPr>
+            <p:cNvCxnSpPr>
+              <a:cxnSpLocks/>
+            </p:cNvCxnSpPr>
+            <p:nvPr/>
+          </p:nvCxnSpPr>
+          <p:spPr>
+            <a:xfrm>
+              <a:off x="7670801" y="5353050"/>
+              <a:ext cx="539749" cy="231775"/>
+            </a:xfrm>
+            <a:prstGeom prst="straightConnector1">
+              <a:avLst/>
+            </a:prstGeom>
+            <a:ln w="101600">
+              <a:solidFill>
+                <a:schemeClr val="tx1"/>
+              </a:solidFill>
+              <a:headEnd type="none" w="med" len="med"/>
+              <a:tailEnd type="oval" w="med" len="med"/>
+            </a:ln>
+          </p:spPr>
+          <p:style>
+            <a:lnRef idx="1">
+              <a:schemeClr val="accent1"/>
+            </a:lnRef>
+            <a:fillRef idx="0">
+              <a:schemeClr val="accent1"/>
+            </a:fillRef>
+            <a:effectRef idx="0">
+              <a:schemeClr val="accent1"/>
+            </a:effectRef>
+            <a:fontRef idx="minor">
+              <a:schemeClr val="tx1"/>
+            </a:fontRef>
+          </p:style>
+        </p:cxnSp>
+        <p:cxnSp>
+          <p:nvCxnSpPr>
+            <p:cNvPr id="29" name="Straight Arrow Connector 28">
+              <a:extLst>
+                <a:ext uri="{FF2B5EF4-FFF2-40B4-BE49-F238E27FC236}">
+                  <a16:creationId xmlns:a16="http://schemas.microsoft.com/office/drawing/2014/main" id="{CC602762-194E-4668-9F6D-625C05BA1566}"/>
+                </a:ext>
+              </a:extLst>
+            </p:cNvPr>
+            <p:cNvCxnSpPr>
+              <a:cxnSpLocks/>
+            </p:cNvCxnSpPr>
+            <p:nvPr/>
+          </p:nvCxnSpPr>
+          <p:spPr>
+            <a:xfrm>
+              <a:off x="7670801" y="4521200"/>
+              <a:ext cx="615950" cy="0"/>
+            </a:xfrm>
+            <a:prstGeom prst="straightConnector1">
+              <a:avLst/>
+            </a:prstGeom>
+            <a:ln w="101600">
+              <a:solidFill>
+                <a:schemeClr val="tx1"/>
+              </a:solidFill>
+              <a:headEnd type="none" w="med" len="med"/>
+              <a:tailEnd type="oval" w="med" len="med"/>
+            </a:ln>
+          </p:spPr>
+          <p:style>
+            <a:lnRef idx="1">
+              <a:schemeClr val="accent1"/>
+            </a:lnRef>
+            <a:fillRef idx="0">
+              <a:schemeClr val="accent1"/>
+            </a:fillRef>
+            <a:effectRef idx="0">
+              <a:schemeClr val="accent1"/>
+            </a:effectRef>
+            <a:fontRef idx="minor">
+              <a:schemeClr val="tx1"/>
+            </a:fontRef>
+          </p:style>
+        </p:cxnSp>
+        <p:cxnSp>
+          <p:nvCxnSpPr>
+            <p:cNvPr id="31" name="Straight Arrow Connector 30">
+              <a:extLst>
+                <a:ext uri="{FF2B5EF4-FFF2-40B4-BE49-F238E27FC236}">
+                  <a16:creationId xmlns:a16="http://schemas.microsoft.com/office/drawing/2014/main" id="{A8C06457-C6BD-44A6-BCAE-6D9CEC980B2F}"/>
+                </a:ext>
+              </a:extLst>
+            </p:cNvPr>
+            <p:cNvCxnSpPr>
+              <a:cxnSpLocks/>
+            </p:cNvCxnSpPr>
+            <p:nvPr/>
+          </p:nvCxnSpPr>
+          <p:spPr>
+            <a:xfrm flipV="1">
+              <a:off x="7791450" y="3556000"/>
+              <a:ext cx="565150" cy="98425"/>
+            </a:xfrm>
+            <a:prstGeom prst="straightConnector1">
+              <a:avLst/>
+            </a:prstGeom>
+            <a:ln w="101600">
+              <a:solidFill>
+                <a:schemeClr val="tx1"/>
+              </a:solidFill>
+              <a:headEnd type="none" w="med" len="med"/>
+              <a:tailEnd type="oval" w="med" len="med"/>
+            </a:ln>
+          </p:spPr>
+          <p:style>
+            <a:lnRef idx="1">
+              <a:schemeClr val="accent1"/>
+            </a:lnRef>
+            <a:fillRef idx="0">
+              <a:schemeClr val="accent1"/>
+            </a:fillRef>
+            <a:effectRef idx="0">
+              <a:schemeClr val="accent1"/>
+            </a:effectRef>
+            <a:fontRef idx="minor">
+              <a:schemeClr val="tx1"/>
+            </a:fontRef>
+          </p:style>
+        </p:cxnSp>
+        <p:cxnSp>
+          <p:nvCxnSpPr>
+            <p:cNvPr id="33" name="Straight Arrow Connector 32">
+              <a:extLst>
+                <a:ext uri="{FF2B5EF4-FFF2-40B4-BE49-F238E27FC236}">
+                  <a16:creationId xmlns:a16="http://schemas.microsoft.com/office/drawing/2014/main" id="{F3C6A2A6-96EE-41D0-9B72-C2ACD4035936}"/>
+                </a:ext>
+              </a:extLst>
+            </p:cNvPr>
+            <p:cNvCxnSpPr>
+              <a:cxnSpLocks/>
+            </p:cNvCxnSpPr>
+            <p:nvPr/>
+          </p:nvCxnSpPr>
+          <p:spPr>
+            <a:xfrm flipH="1" flipV="1">
+              <a:off x="3632200" y="2692400"/>
+              <a:ext cx="565150" cy="228600"/>
+            </a:xfrm>
+            <a:prstGeom prst="straightConnector1">
+              <a:avLst/>
+            </a:prstGeom>
+            <a:ln w="101600">
+              <a:solidFill>
+                <a:schemeClr val="tx1"/>
+              </a:solidFill>
+              <a:headEnd type="none" w="med" len="med"/>
+              <a:tailEnd type="oval" w="med" len="med"/>
+            </a:ln>
+          </p:spPr>
+          <p:style>
+            <a:lnRef idx="1">
+              <a:schemeClr val="accent1"/>
+            </a:lnRef>
+            <a:fillRef idx="0">
+              <a:schemeClr val="accent1"/>
+            </a:fillRef>
+            <a:effectRef idx="0">
+              <a:schemeClr val="accent1"/>
+            </a:effectRef>
+            <a:fontRef idx="minor">
+              <a:schemeClr val="tx1"/>
+            </a:fontRef>
+          </p:style>
+        </p:cxnSp>
+        <p:cxnSp>
+          <p:nvCxnSpPr>
+            <p:cNvPr id="44" name="Straight Arrow Connector 43">
+              <a:extLst>
+                <a:ext uri="{FF2B5EF4-FFF2-40B4-BE49-F238E27FC236}">
+                  <a16:creationId xmlns:a16="http://schemas.microsoft.com/office/drawing/2014/main" id="{69440A50-289D-4E42-926A-BEE0D98DD59D}"/>
+                </a:ext>
+              </a:extLst>
+            </p:cNvPr>
+            <p:cNvCxnSpPr>
+              <a:cxnSpLocks/>
+            </p:cNvCxnSpPr>
+            <p:nvPr/>
+          </p:nvCxnSpPr>
+          <p:spPr>
+            <a:xfrm flipH="1" flipV="1">
+              <a:off x="4826000" y="901700"/>
+              <a:ext cx="142875" cy="533400"/>
+            </a:xfrm>
+            <a:prstGeom prst="straightConnector1">
+              <a:avLst/>
+            </a:prstGeom>
+            <a:ln w="101600">
+              <a:solidFill>
+                <a:schemeClr val="tx1"/>
+              </a:solidFill>
+              <a:headEnd type="none" w="med" len="med"/>
+              <a:tailEnd type="oval" w="med" len="med"/>
+            </a:ln>
+          </p:spPr>
+          <p:style>
+            <a:lnRef idx="1">
+              <a:schemeClr val="accent1"/>
+            </a:lnRef>
+            <a:fillRef idx="0">
+              <a:schemeClr val="accent1"/>
+            </a:fillRef>
+            <a:effectRef idx="0">
+              <a:schemeClr val="accent1"/>
+            </a:effectRef>
+            <a:fontRef idx="minor">
+              <a:schemeClr val="tx1"/>
+            </a:fontRef>
+          </p:style>
+        </p:cxnSp>
+      </p:grpSp>
+      <p:sp>
+        <p:nvSpPr>
+          <p:cNvPr id="7" name="TextBox 6">
+            <a:extLst>
+              <a:ext uri="{FF2B5EF4-FFF2-40B4-BE49-F238E27FC236}">
+                <a16:creationId xmlns:a16="http://schemas.microsoft.com/office/drawing/2014/main" id="{38654F14-5B1B-4B0F-B5DF-2EF8622C7A87}"/>
+              </a:ext>
+            </a:extLst>
+          </p:cNvPr>
+          <p:cNvSpPr txBox="1"/>
+          <p:nvPr/>
+        </p:nvSpPr>
+        <p:spPr>
+          <a:xfrm>
+            <a:off x="7662718" y="784166"/>
+            <a:ext cx="2324100" cy="523220"/>
+          </a:xfrm>
+          <a:prstGeom prst="rect">
+            <a:avLst/>
+          </a:prstGeom>
+          <a:noFill/>
+        </p:spPr>
+        <p:txBody>
+          <a:bodyPr wrap="square" rtlCol="0">
+            <a:spAutoFit/>
+          </a:bodyPr>
+          <a:lstStyle/>
+          <a:p>
+            <a:r>
+              <a:rPr lang="en-US" sz="2800" b="1" dirty="0">
+                <a:solidFill>
+                  <a:srgbClr val="C00000"/>
+                </a:solidFill>
+              </a:rPr>
+              <a:t>spike protein</a:t>
+            </a:r>
+          </a:p>
+        </p:txBody>
+      </p:sp>
+      <p:cxnSp>
+        <p:nvCxnSpPr>
+          <p:cNvPr id="12" name="Straight Arrow Connector 11">
+            <a:extLst>
+              <a:ext uri="{FF2B5EF4-FFF2-40B4-BE49-F238E27FC236}">
+                <a16:creationId xmlns:a16="http://schemas.microsoft.com/office/drawing/2014/main" id="{117243BA-AE83-4B00-B364-AD070A0313E8}"/>
+              </a:ext>
+            </a:extLst>
+          </p:cNvPr>
+          <p:cNvCxnSpPr>
+            <a:cxnSpLocks/>
+          </p:cNvCxnSpPr>
+          <p:nvPr/>
+        </p:nvCxnSpPr>
+        <p:spPr>
+          <a:xfrm flipH="1">
+            <a:off x="7978776" y="1327150"/>
+            <a:ext cx="611042" cy="387350"/>
+          </a:xfrm>
+          <a:prstGeom prst="straightConnector1">
+            <a:avLst/>
+          </a:prstGeom>
+          <a:ln w="76200">
+            <a:solidFill>
+              <a:srgbClr val="C00000"/>
+            </a:solidFill>
+            <a:tailEnd type="triangle"/>
+          </a:ln>
+        </p:spPr>
+        <p:style>
+          <a:lnRef idx="1">
+            <a:schemeClr val="accent2"/>
+          </a:lnRef>
+          <a:fillRef idx="0">
+            <a:schemeClr val="accent2"/>
+          </a:fillRef>
+          <a:effectRef idx="0">
+            <a:schemeClr val="accent2"/>
+          </a:effectRef>
+          <a:fontRef idx="minor">
+            <a:schemeClr val="tx1"/>
+          </a:fontRef>
+        </p:style>
+      </p:cxnSp>
+    </p:spTree>
+    <p:extLst>
+      <p:ext uri="{BB962C8B-B14F-4D97-AF65-F5344CB8AC3E}">
+        <p14:creationId xmlns:p14="http://schemas.microsoft.com/office/powerpoint/2010/main" val="879326802"/>
+      </p:ext>
+    </p:extLst>
+  </p:cSld>
+  <p:clrMapOvr>
+    <a:masterClrMapping/>
+  </p:clrMapOvr>
+</p:sld>
+</file>
+
 <file path=ppt/theme/theme1.xml><?xml version="1.0" encoding="utf-8"?>
 <a:theme xmlns:a="http://schemas.openxmlformats.org/drawingml/2006/main" name="Office Theme">
   <a:themeElements>
